--- a/slides/cds431_week4_2.pptx
+++ b/slides/cds431_week4_2.pptx
@@ -125,6 +125,11 @@
       </a:defRPr>
     </a:lvl9pPr>
   </p:defaultTextStyle>
+  <p:extLst>
+    <p:ext uri="{EFAFB233-063F-42B5-8137-9DF3F51BA10A}">
+      <p15:sldGuideLst xmlns:p15="http://schemas.microsoft.com/office/powerpoint/2012/main"/>
+    </p:ext>
+  </p:extLst>
 </p:presentation>
 </file>
 
@@ -2869,7 +2874,7 @@
           <a:p>
             <a:fld id="{617F6FDD-6C1B-D144-BF76-4D67B61719CD}" type="datetimeFigureOut">
               <a:rPr lang="en-US" smtClean="0"/>
-              <a:t>1/4/22</a:t>
+              <a:t>4/14/22</a:t>
             </a:fld>
             <a:endParaRPr lang="en-US"/>
           </a:p>
@@ -3433,10 +3438,7 @@
           <a:bodyPr/>
           <a:lstStyle/>
           <a:p>
-            <a:r>
-              <a:rPr lang="en-US"/>
-              <a:t>Do college student perform better on tests when they have slept well?</a:t>
-            </a:r>
+            <a:endParaRPr lang="en-US" dirty="0"/>
           </a:p>
         </p:txBody>
       </p:sp>
@@ -3989,7 +3991,7 @@
               <a:defRPr/>
             </a:pPr>
             <a:r>
-              <a:rPr lang="en-US" sz="1200" i="1" kern="1200">
+              <a:rPr lang="en-US" sz="1200" i="1" kern="1200" dirty="0">
                 <a:solidFill>
                   <a:schemeClr val="tx1"/>
                 </a:solidFill>
@@ -4001,7 +4003,7 @@
               <a:t>Position Statement: </a:t>
             </a:r>
             <a:r>
-              <a:rPr lang="en-US" sz="1200" kern="1200">
+              <a:rPr lang="en-US" sz="1200" kern="1200" dirty="0">
                 <a:solidFill>
                   <a:schemeClr val="tx1"/>
                 </a:solidFill>
@@ -4012,7 +4014,7 @@
               </a:rPr>
               <a:t>a statement that expresses the organization’s stance on an issue. It includes a concise summary statement and supporting documentation, analysis, and/or rationale, and recommendations.</a:t>
             </a:r>
-            <a:endParaRPr lang="en-US" sz="1200" i="1" kern="1200">
+            <a:endParaRPr lang="en-US" sz="1200" i="1" kern="1200" dirty="0">
               <a:solidFill>
                 <a:schemeClr val="tx1"/>
               </a:solidFill>
@@ -4024,7 +4026,7 @@
           </a:p>
           <a:p>
             <a:r>
-              <a:rPr lang="en-US" sz="1200" i="1" kern="1200">
+              <a:rPr lang="en-US" sz="1200" i="1" kern="1200" dirty="0">
                 <a:solidFill>
                   <a:schemeClr val="tx1"/>
                 </a:solidFill>
@@ -4036,7 +4038,7 @@
               <a:t>Systematic reviews</a:t>
             </a:r>
             <a:r>
-              <a:rPr lang="en-US" sz="1200" kern="1200">
+              <a:rPr lang="en-US" sz="1200" kern="1200" dirty="0">
                 <a:solidFill>
                   <a:schemeClr val="tx1"/>
                 </a:solidFill>
@@ -4047,7 +4049,7 @@
               </a:rPr>
               <a:t> are documents that provide a comprehensive, unbiased synthesis of the scientific literature on a given topic. </a:t>
             </a:r>
-            <a:endParaRPr lang="en-US"/>
+            <a:endParaRPr lang="en-US" dirty="0"/>
           </a:p>
         </p:txBody>
       </p:sp>
@@ -4318,7 +4320,7 @@
           <a:p>
             <a:fld id="{BF98EFA3-1294-7946-9C07-A90F83902AA2}" type="datetimeFigureOut">
               <a:rPr lang="en-US" smtClean="0"/>
-              <a:t>1/4/22</a:t>
+              <a:t>4/14/22</a:t>
             </a:fld>
             <a:endParaRPr lang="en-US"/>
           </a:p>
@@ -4516,7 +4518,7 @@
           <a:p>
             <a:fld id="{BF98EFA3-1294-7946-9C07-A90F83902AA2}" type="datetimeFigureOut">
               <a:rPr lang="en-US" smtClean="0"/>
-              <a:t>1/4/22</a:t>
+              <a:t>4/14/22</a:t>
             </a:fld>
             <a:endParaRPr lang="en-US"/>
           </a:p>
@@ -4724,7 +4726,7 @@
           <a:p>
             <a:fld id="{BF98EFA3-1294-7946-9C07-A90F83902AA2}" type="datetimeFigureOut">
               <a:rPr lang="en-US" smtClean="0"/>
-              <a:t>1/4/22</a:t>
+              <a:t>4/14/22</a:t>
             </a:fld>
             <a:endParaRPr lang="en-US"/>
           </a:p>
@@ -4922,7 +4924,7 @@
           <a:p>
             <a:fld id="{BF98EFA3-1294-7946-9C07-A90F83902AA2}" type="datetimeFigureOut">
               <a:rPr lang="en-US" smtClean="0"/>
-              <a:t>1/4/22</a:t>
+              <a:t>4/14/22</a:t>
             </a:fld>
             <a:endParaRPr lang="en-US"/>
           </a:p>
@@ -5197,7 +5199,7 @@
           <a:p>
             <a:fld id="{BF98EFA3-1294-7946-9C07-A90F83902AA2}" type="datetimeFigureOut">
               <a:rPr lang="en-US" smtClean="0"/>
-              <a:t>1/4/22</a:t>
+              <a:t>4/14/22</a:t>
             </a:fld>
             <a:endParaRPr lang="en-US"/>
           </a:p>
@@ -5462,7 +5464,7 @@
           <a:p>
             <a:fld id="{BF98EFA3-1294-7946-9C07-A90F83902AA2}" type="datetimeFigureOut">
               <a:rPr lang="en-US" smtClean="0"/>
-              <a:t>1/4/22</a:t>
+              <a:t>4/14/22</a:t>
             </a:fld>
             <a:endParaRPr lang="en-US"/>
           </a:p>
@@ -5874,7 +5876,7 @@
           <a:p>
             <a:fld id="{BF98EFA3-1294-7946-9C07-A90F83902AA2}" type="datetimeFigureOut">
               <a:rPr lang="en-US" smtClean="0"/>
-              <a:t>1/4/22</a:t>
+              <a:t>4/14/22</a:t>
             </a:fld>
             <a:endParaRPr lang="en-US"/>
           </a:p>
@@ -6015,7 +6017,7 @@
           <a:p>
             <a:fld id="{BF98EFA3-1294-7946-9C07-A90F83902AA2}" type="datetimeFigureOut">
               <a:rPr lang="en-US" smtClean="0"/>
-              <a:t>1/4/22</a:t>
+              <a:t>4/14/22</a:t>
             </a:fld>
             <a:endParaRPr lang="en-US"/>
           </a:p>
@@ -6128,7 +6130,7 @@
           <a:p>
             <a:fld id="{BF98EFA3-1294-7946-9C07-A90F83902AA2}" type="datetimeFigureOut">
               <a:rPr lang="en-US" smtClean="0"/>
-              <a:t>1/4/22</a:t>
+              <a:t>4/14/22</a:t>
             </a:fld>
             <a:endParaRPr lang="en-US"/>
           </a:p>
@@ -6439,7 +6441,7 @@
           <a:p>
             <a:fld id="{BF98EFA3-1294-7946-9C07-A90F83902AA2}" type="datetimeFigureOut">
               <a:rPr lang="en-US" smtClean="0"/>
-              <a:t>1/4/22</a:t>
+              <a:t>4/14/22</a:t>
             </a:fld>
             <a:endParaRPr lang="en-US"/>
           </a:p>
@@ -6727,7 +6729,7 @@
           <a:p>
             <a:fld id="{BF98EFA3-1294-7946-9C07-A90F83902AA2}" type="datetimeFigureOut">
               <a:rPr lang="en-US" smtClean="0"/>
-              <a:t>1/4/22</a:t>
+              <a:t>4/14/22</a:t>
             </a:fld>
             <a:endParaRPr lang="en-US"/>
           </a:p>
@@ -6998,7 +7000,7 @@
           <a:p>
             <a:fld id="{BF98EFA3-1294-7946-9C07-A90F83902AA2}" type="datetimeFigureOut">
               <a:rPr lang="en-US" smtClean="0"/>
-              <a:t>1/4/22</a:t>
+              <a:t>4/14/22</a:t>
             </a:fld>
             <a:endParaRPr lang="en-US"/>
           </a:p>
@@ -8632,7 +8634,7 @@
           <a:lstStyle/>
           <a:p>
             <a:pPr algn="ctr"/>
-            <a:endParaRPr lang="en-US" sz="2700" b="1">
+            <a:endParaRPr lang="en-US" sz="2700" b="1" dirty="0">
               <a:solidFill>
                 <a:srgbClr val="7030A0"/>
               </a:solidFill>
@@ -8643,7 +8645,7 @@
           <a:p>
             <a:pPr algn="ctr"/>
             <a:r>
-              <a:rPr lang="en-US" sz="2700" b="1">
+              <a:rPr lang="en-US" sz="2700" b="1" dirty="0">
                 <a:solidFill>
                   <a:srgbClr val="7030A0"/>
                 </a:solidFill>
@@ -8692,10 +8694,10 @@
       </p:sp>
       <p:sp>
         <p:nvSpPr>
-          <p:cNvPr id="3" name="TextBox 2">
+          <p:cNvPr id="4" name="TextBox 3">
             <a:extLst>
               <a:ext uri="{FF2B5EF4-FFF2-40B4-BE49-F238E27FC236}">
-                <a16:creationId xmlns:a16="http://schemas.microsoft.com/office/drawing/2014/main" id="{98C97817-77C9-184F-A5C2-5900F9C6DE69}"/>
+                <a16:creationId xmlns:a16="http://schemas.microsoft.com/office/drawing/2014/main" id="{0D9FF674-2E72-C883-17BE-45CD529E544F}"/>
               </a:ext>
             </a:extLst>
           </p:cNvPr>
@@ -8704,8 +8706,8 @@
         </p:nvSpPr>
         <p:spPr>
           <a:xfrm>
-            <a:off x="1448003" y="3099499"/>
-            <a:ext cx="9087262" cy="954107"/>
+            <a:off x="508001" y="1908840"/>
+            <a:ext cx="3225800" cy="923330"/>
           </a:xfrm>
           <a:prstGeom prst="rect">
             <a:avLst/>
@@ -8718,10 +8720,9 @@
           </a:bodyPr>
           <a:lstStyle/>
           <a:p>
-            <a:pPr algn="ctr"/>
-            <a:r>
-              <a:rPr lang="en-US" sz="2800" dirty="0"/>
-              <a:t>A consistent guide to be followed under a given set of circumstances</a:t>
+            <a:r>
+              <a:rPr lang="en-US" dirty="0"/>
+              <a:t>Policy: A consistent guide to be followed under a given set of circumstances</a:t>
             </a:r>
           </a:p>
         </p:txBody>
@@ -8916,6 +8917,9 @@
           </a:bodyPr>
           <a:lstStyle/>
           <a:p>
+            <a:endParaRPr lang="en-US" b="1" dirty="0"/>
+          </a:p>
+          <a:p>
             <a:r>
               <a:rPr lang="en-US" b="1" dirty="0"/>
               <a:t>Behavioral</a:t>
@@ -9297,21 +9301,21 @@
         </p:nvSpPr>
         <p:spPr>
           <a:xfrm>
-            <a:off x="2010761" y="1565998"/>
-            <a:ext cx="7886700" cy="4351338"/>
+            <a:off x="1257300" y="1565998"/>
+            <a:ext cx="9410700" cy="4351338"/>
           </a:xfrm>
         </p:spPr>
         <p:txBody>
           <a:bodyPr>
-            <a:normAutofit lnSpcReduction="10000"/>
+            <a:normAutofit fontScale="92500" lnSpcReduction="10000"/>
           </a:bodyPr>
           <a:lstStyle/>
           <a:p>
             <a:r>
-              <a:rPr lang="en-US"/>
+              <a:rPr lang="en-US" dirty="0"/>
               <a:t>Individual Studies</a:t>
             </a:r>
-            <a:endParaRPr lang="en-US">
+            <a:endParaRPr lang="en-US" dirty="0">
               <a:solidFill>
                 <a:srgbClr val="7030A0"/>
               </a:solidFill>
@@ -9319,7 +9323,7 @@
           </a:p>
           <a:p>
             <a:r>
-              <a:rPr lang="en-US">
+              <a:rPr lang="en-US" dirty="0">
                 <a:solidFill>
                   <a:srgbClr val="7030A0"/>
                 </a:solidFill>
@@ -9329,20 +9333,20 @@
           </a:p>
           <a:p>
             <a:r>
-              <a:rPr lang="en-US"/>
+              <a:rPr lang="en-US" dirty="0"/>
               <a:t>Publisher</a:t>
             </a:r>
           </a:p>
           <a:p>
             <a:r>
-              <a:rPr lang="en-US"/>
+              <a:rPr lang="en-US" dirty="0"/>
               <a:t>Professional Organization Policies (ASHA)</a:t>
             </a:r>
           </a:p>
           <a:p>
             <a:pPr lvl="2"/>
             <a:r>
-              <a:rPr lang="en-US" sz="2800">
+              <a:rPr lang="en-US" sz="2800" dirty="0">
                 <a:hlinkClick r:id="rId3">
                   <a:extLst>
                     <a:ext uri="{A12FA001-AC4F-418D-AE19-62706E023703}">
@@ -9354,14 +9358,14 @@
               <a:t>http://www.asha.org/policy</a:t>
             </a:r>
             <a:r>
-              <a:rPr lang="en-US" sz="2800"/>
+              <a:rPr lang="en-US" sz="2800" dirty="0"/>
               <a:t>/</a:t>
             </a:r>
           </a:p>
           <a:p>
             <a:pPr lvl="2"/>
             <a:r>
-              <a:rPr lang="en-US" sz="2800">
+              <a:rPr lang="en-US" sz="2800" dirty="0">
                 <a:solidFill>
                   <a:srgbClr val="7030A0"/>
                 </a:solidFill>
@@ -9372,11 +9376,11 @@
           <a:p>
             <a:pPr lvl="2"/>
             <a:r>
-              <a:rPr lang="en-US" sz="2800"/>
+              <a:rPr lang="en-US" sz="2800" dirty="0"/>
               <a:t>Professional Issues Statement (Guidelines</a:t>
             </a:r>
             <a:r>
-              <a:rPr lang="en-US" sz="2800">
+              <a:rPr lang="en-US" sz="2800" dirty="0">
                 <a:solidFill>
                   <a:srgbClr val="7030A0"/>
                 </a:solidFill>
@@ -9387,24 +9391,24 @@
           <a:p>
             <a:pPr lvl="2"/>
             <a:r>
-              <a:rPr lang="en-US" sz="2800"/>
+              <a:rPr lang="en-US" sz="2800" dirty="0"/>
               <a:t>Technical Reports</a:t>
             </a:r>
           </a:p>
           <a:p>
             <a:pPr lvl="2"/>
             <a:r>
-              <a:rPr lang="en-US" sz="2800">
+              <a:rPr lang="en-US" sz="2800" dirty="0">
                 <a:solidFill>
                   <a:srgbClr val="7030A0"/>
                 </a:solidFill>
               </a:rPr>
-              <a:t>Evidence Maps</a:t>
-            </a:r>
-          </a:p>
-          <a:p>
-            <a:r>
-              <a:rPr lang="en-US">
+              <a:t>Evidence Maps (https://www2.asha.org/evidence-maps/)</a:t>
+            </a:r>
+          </a:p>
+          <a:p>
+            <a:r>
+              <a:rPr lang="en-US" dirty="0">
                 <a:solidFill>
                   <a:srgbClr val="7030A0"/>
                 </a:solidFill>
@@ -9412,12 +9416,12 @@
               <a:t>Systematic Review </a:t>
             </a:r>
             <a:r>
-              <a:rPr lang="en-US"/>
+              <a:rPr lang="en-US" dirty="0"/>
               <a:t>(meta analysis)</a:t>
             </a:r>
           </a:p>
           <a:p>
-            <a:endParaRPr lang="en-US"/>
+            <a:endParaRPr lang="en-US" dirty="0"/>
           </a:p>
         </p:txBody>
       </p:sp>
@@ -9549,10 +9553,10 @@
             </a:r>
           </a:p>
           <a:p>
-            <a:r>
-              <a:rPr lang="en-US" sz="2800" b="1" dirty="0"/>
-              <a:t>	</a:t>
-            </a:r>
+            <a:pPr marL="457200" indent="-457200">
+              <a:buFont typeface="Arial" panose="020B0604020202020204" pitchFamily="34" charset="0"/>
+              <a:buChar char="•"/>
+            </a:pPr>
             <a:r>
               <a:rPr lang="en-US" sz="2800" dirty="0"/>
               <a:t>The strongest level of evidence to guide practice decisions is systematic review of randomized controlled trials (RCT) and evidence-based practice guidelines.</a:t>
@@ -9603,8 +9607,8 @@
         </p:nvSpPr>
         <p:spPr>
           <a:xfrm>
-            <a:off x="2838846" y="0"/>
-            <a:ext cx="6447072" cy="651272"/>
+            <a:off x="1841500" y="394732"/>
+            <a:ext cx="8534400" cy="651272"/>
           </a:xfrm>
         </p:spPr>
         <p:txBody>
@@ -9613,8 +9617,9 @@
           </a:bodyPr>
           <a:lstStyle/>
           <a:p>
-            <a:r>
-              <a:rPr lang="en-US"/>
+            <a:pPr algn="ctr"/>
+            <a:r>
+              <a:rPr lang="en-US" dirty="0"/>
               <a:t>Levels of Evidence (Research Design)</a:t>
             </a:r>
           </a:p>
@@ -9642,8 +9647,8 @@
         </p:blipFill>
         <p:spPr>
           <a:xfrm>
-            <a:off x="2659555" y="651272"/>
-            <a:ext cx="7188200" cy="5715000"/>
+            <a:off x="2659555" y="1271376"/>
+            <a:ext cx="6408245" cy="5094895"/>
           </a:xfrm>
           <a:prstGeom prst="rect">
             <a:avLst/>
@@ -9739,7 +9744,12 @@
             <p:ph type="title"/>
           </p:nvPr>
         </p:nvSpPr>
-        <p:spPr/>
+        <p:spPr>
+          <a:xfrm>
+            <a:off x="838200" y="606425"/>
+            <a:ext cx="10515600" cy="1325563"/>
+          </a:xfrm>
+        </p:spPr>
         <p:txBody>
           <a:bodyPr>
             <a:normAutofit fontScale="90000"/>
@@ -9782,7 +9792,7 @@
         </p:nvSpPr>
         <p:spPr>
           <a:xfrm>
-            <a:off x="2333898" y="1567543"/>
+            <a:off x="2600598" y="2337891"/>
             <a:ext cx="7184571" cy="4154984"/>
           </a:xfrm>
           <a:prstGeom prst="rect">
@@ -10654,6 +10664,50 @@
                 <a:latin typeface="Times New Roman" pitchFamily="84" charset="0"/>
               </a:rPr>
               <a:t>External &amp; Internal</a:t>
+            </a:r>
+          </a:p>
+        </p:txBody>
+      </p:sp>
+      <p:sp>
+        <p:nvSpPr>
+          <p:cNvPr id="2" name="TextBox 1">
+            <a:extLst>
+              <a:ext uri="{FF2B5EF4-FFF2-40B4-BE49-F238E27FC236}">
+                <a16:creationId xmlns:a16="http://schemas.microsoft.com/office/drawing/2014/main" id="{34467824-DA19-DFC0-1988-DF431DF69CDA}"/>
+              </a:ext>
+            </a:extLst>
+          </p:cNvPr>
+          <p:cNvSpPr txBox="1"/>
+          <p:nvPr/>
+        </p:nvSpPr>
+        <p:spPr>
+          <a:xfrm>
+            <a:off x="381000" y="1345256"/>
+            <a:ext cx="3556000" cy="2862322"/>
+          </a:xfrm>
+          <a:prstGeom prst="rect">
+            <a:avLst/>
+          </a:prstGeom>
+          <a:noFill/>
+        </p:spPr>
+        <p:txBody>
+          <a:bodyPr wrap="square" rtlCol="0">
+            <a:spAutoFit/>
+          </a:bodyPr>
+          <a:lstStyle/>
+          <a:p>
+            <a:r>
+              <a:rPr lang="en-US" dirty="0"/>
+              <a:t>EBP: A process for clinical decision-making concerning assessment or treatment of a given condition/client. </a:t>
+            </a:r>
+          </a:p>
+          <a:p>
+            <a:endParaRPr lang="en-US" dirty="0"/>
+          </a:p>
+          <a:p>
+            <a:r>
+              <a:rPr lang="en-US" dirty="0"/>
+              <a:t>3 Components: external evidence (systematic review of research), patient and contextual factors, clinician’s knowledge and experience</a:t>
             </a:r>
           </a:p>
         </p:txBody>
@@ -10922,6 +10976,41 @@
             <a:r>
               <a:rPr lang="en-US" sz="2800" dirty="0"/>
               <a:t>utcome</a:t>
+            </a:r>
+          </a:p>
+        </p:txBody>
+      </p:sp>
+      <p:sp>
+        <p:nvSpPr>
+          <p:cNvPr id="4" name="TextBox 3">
+            <a:extLst>
+              <a:ext uri="{FF2B5EF4-FFF2-40B4-BE49-F238E27FC236}">
+                <a16:creationId xmlns:a16="http://schemas.microsoft.com/office/drawing/2014/main" id="{5EBCA60E-FFCE-A6D0-410F-E494D81FC2DA}"/>
+              </a:ext>
+            </a:extLst>
+          </p:cNvPr>
+          <p:cNvSpPr txBox="1"/>
+          <p:nvPr/>
+        </p:nvSpPr>
+        <p:spPr>
+          <a:xfrm>
+            <a:off x="8394701" y="3056058"/>
+            <a:ext cx="2997200" cy="1200329"/>
+          </a:xfrm>
+          <a:prstGeom prst="rect">
+            <a:avLst/>
+          </a:prstGeom>
+          <a:noFill/>
+        </p:spPr>
+        <p:txBody>
+          <a:bodyPr wrap="square" rtlCol="0">
+            <a:spAutoFit/>
+          </a:bodyPr>
+          <a:lstStyle/>
+          <a:p>
+            <a:r>
+              <a:rPr lang="en-US" dirty="0"/>
+              <a:t>Quick Example: Do college students perform better on tests when they have slept well?</a:t>
             </a:r>
           </a:p>
         </p:txBody>
